--- a/Powerpoint-presentation.pptx
+++ b/Powerpoint-presentation.pptx
@@ -6485,6 +6485,15 @@
         <p:txBody>
           <a:bodyPr/>
           <a:lstStyle/>
+          <a:p>
+            <a:pPr lvl="0" marL="0" indent="0">
+              <a:buNone/>
+            </a:pPr>
+            <a:r>
+              <a:rPr/>
+              <a:t>iii</a:t>
+            </a:r>
+          </a:p>
           <a:p>
             <a:pPr lvl="0" marL="0" indent="0">
               <a:buNone/>
